--- a/ppt 16-9/0746.有谁像你.pptx
+++ b/ppt 16-9/0746.有谁像你.pptx
@@ -5,7 +5,7 @@
     <p:sldMasterId id="2147483648" r:id="rId1"/>
   </p:sldMasterIdLst>
   <p:sldIdLst>
-    <p:sldId id="1991" r:id="rId2"/>
+    <p:sldId id="1993" r:id="rId2"/>
   </p:sldIdLst>
   <p:sldSz cx="12192000" cy="6858000"/>
   <p:notesSz cx="6858000" cy="9144000"/>
@@ -129,7 +129,7 @@
           <p:cNvPr id="2" name="标题 1">
             <a:extLst>
               <a:ext uri="{FF2B5EF4-FFF2-40B4-BE49-F238E27FC236}">
-                <a16:creationId xmlns:a16="http://schemas.microsoft.com/office/drawing/2014/main" id="{89A74D44-A9FA-A219-9C0E-0C41882FADF5}"/>
+                <a16:creationId xmlns:a16="http://schemas.microsoft.com/office/drawing/2014/main" id="{1A4F93C2-6AEE-E5E1-0630-0622BDBACF1D}"/>
               </a:ext>
             </a:extLst>
           </p:cNvPr>
@@ -166,7 +166,7 @@
           <p:cNvPr id="3" name="副标题 2">
             <a:extLst>
               <a:ext uri="{FF2B5EF4-FFF2-40B4-BE49-F238E27FC236}">
-                <a16:creationId xmlns:a16="http://schemas.microsoft.com/office/drawing/2014/main" id="{98EB0534-57BD-2F1F-8D04-047DC7290CB1}"/>
+                <a16:creationId xmlns:a16="http://schemas.microsoft.com/office/drawing/2014/main" id="{8E1AFF1E-56C6-D331-EFCD-2510E7356430}"/>
               </a:ext>
             </a:extLst>
           </p:cNvPr>
@@ -236,7 +236,7 @@
           <p:cNvPr id="4" name="日期占位符 3">
             <a:extLst>
               <a:ext uri="{FF2B5EF4-FFF2-40B4-BE49-F238E27FC236}">
-                <a16:creationId xmlns:a16="http://schemas.microsoft.com/office/drawing/2014/main" id="{53F9B63F-AE46-C396-4BD4-363E2E716DB8}"/>
+                <a16:creationId xmlns:a16="http://schemas.microsoft.com/office/drawing/2014/main" id="{885235C1-EDB6-A107-A1A3-615A93804605}"/>
               </a:ext>
             </a:extLst>
           </p:cNvPr>
@@ -252,7 +252,7 @@
           <a:bodyPr/>
           <a:lstStyle/>
           <a:p>
-            <a:fld id="{9115C997-770B-41BF-8584-B9D483CF02A8}" type="datetimeFigureOut">
+            <a:fld id="{A4A63B33-E10A-4F92-AFC0-3887D131287B}" type="datetimeFigureOut">
               <a:rPr lang="zh-CN" altLang="en-US" smtClean="0"/>
               <a:t>2024/3/10</a:t>
             </a:fld>
@@ -265,7 +265,7 @@
           <p:cNvPr id="5" name="页脚占位符 4">
             <a:extLst>
               <a:ext uri="{FF2B5EF4-FFF2-40B4-BE49-F238E27FC236}">
-                <a16:creationId xmlns:a16="http://schemas.microsoft.com/office/drawing/2014/main" id="{95147138-A1F0-4D02-CD73-032940DAE724}"/>
+                <a16:creationId xmlns:a16="http://schemas.microsoft.com/office/drawing/2014/main" id="{70BF1ED8-2E1D-48D1-C8AF-E16976859D82}"/>
               </a:ext>
             </a:extLst>
           </p:cNvPr>
@@ -290,7 +290,7 @@
           <p:cNvPr id="6" name="灯片编号占位符 5">
             <a:extLst>
               <a:ext uri="{FF2B5EF4-FFF2-40B4-BE49-F238E27FC236}">
-                <a16:creationId xmlns:a16="http://schemas.microsoft.com/office/drawing/2014/main" id="{181F18BC-A46D-C348-C0A7-E64C57483E25}"/>
+                <a16:creationId xmlns:a16="http://schemas.microsoft.com/office/drawing/2014/main" id="{BA41095E-EE45-592F-33EE-A5FD0E1F5688}"/>
               </a:ext>
             </a:extLst>
           </p:cNvPr>
@@ -306,7 +306,7 @@
           <a:bodyPr/>
           <a:lstStyle/>
           <a:p>
-            <a:fld id="{A3F16452-0635-4763-B229-5AE4A1E36849}" type="slidenum">
+            <a:fld id="{CEE73A98-9B89-460B-BAA4-2B35534CCF28}" type="slidenum">
               <a:rPr lang="zh-CN" altLang="en-US" smtClean="0"/>
               <a:t>‹#›</a:t>
             </a:fld>
@@ -317,7 +317,7 @@
     </p:spTree>
     <p:extLst>
       <p:ext uri="{BB962C8B-B14F-4D97-AF65-F5344CB8AC3E}">
-        <p14:creationId xmlns:p14="http://schemas.microsoft.com/office/powerpoint/2010/main" val="1746325466"/>
+        <p14:creationId xmlns:p14="http://schemas.microsoft.com/office/powerpoint/2010/main" val="1301310"/>
       </p:ext>
     </p:extLst>
   </p:cSld>
@@ -349,7 +349,7 @@
           <p:cNvPr id="2" name="标题 1">
             <a:extLst>
               <a:ext uri="{FF2B5EF4-FFF2-40B4-BE49-F238E27FC236}">
-                <a16:creationId xmlns:a16="http://schemas.microsoft.com/office/drawing/2014/main" id="{7F9A5EDE-6C2C-10E4-D526-2390363411CC}"/>
+                <a16:creationId xmlns:a16="http://schemas.microsoft.com/office/drawing/2014/main" id="{2DAFC738-4E84-6C54-EB03-294B408F65AE}"/>
               </a:ext>
             </a:extLst>
           </p:cNvPr>
@@ -377,7 +377,7 @@
           <p:cNvPr id="3" name="竖排文字占位符 2">
             <a:extLst>
               <a:ext uri="{FF2B5EF4-FFF2-40B4-BE49-F238E27FC236}">
-                <a16:creationId xmlns:a16="http://schemas.microsoft.com/office/drawing/2014/main" id="{33438C84-C3C9-3E54-1EC4-29A1C9B9ECAC}"/>
+                <a16:creationId xmlns:a16="http://schemas.microsoft.com/office/drawing/2014/main" id="{12D17D8B-79E4-DD3C-806D-1539BDF8E689}"/>
               </a:ext>
             </a:extLst>
           </p:cNvPr>
@@ -434,7 +434,7 @@
           <p:cNvPr id="4" name="日期占位符 3">
             <a:extLst>
               <a:ext uri="{FF2B5EF4-FFF2-40B4-BE49-F238E27FC236}">
-                <a16:creationId xmlns:a16="http://schemas.microsoft.com/office/drawing/2014/main" id="{725AD0BE-4FF4-DF00-9A62-594D5FEA2C4C}"/>
+                <a16:creationId xmlns:a16="http://schemas.microsoft.com/office/drawing/2014/main" id="{D73291C5-6583-1918-7E6C-4E4304BE6856}"/>
               </a:ext>
             </a:extLst>
           </p:cNvPr>
@@ -450,7 +450,7 @@
           <a:bodyPr/>
           <a:lstStyle/>
           <a:p>
-            <a:fld id="{9115C997-770B-41BF-8584-B9D483CF02A8}" type="datetimeFigureOut">
+            <a:fld id="{A4A63B33-E10A-4F92-AFC0-3887D131287B}" type="datetimeFigureOut">
               <a:rPr lang="zh-CN" altLang="en-US" smtClean="0"/>
               <a:t>2024/3/10</a:t>
             </a:fld>
@@ -463,7 +463,7 @@
           <p:cNvPr id="5" name="页脚占位符 4">
             <a:extLst>
               <a:ext uri="{FF2B5EF4-FFF2-40B4-BE49-F238E27FC236}">
-                <a16:creationId xmlns:a16="http://schemas.microsoft.com/office/drawing/2014/main" id="{CF64D929-75D8-2A5F-0BA5-D8EABEAB50C1}"/>
+                <a16:creationId xmlns:a16="http://schemas.microsoft.com/office/drawing/2014/main" id="{1C00AA48-4055-1DE5-27C5-54192431E811}"/>
               </a:ext>
             </a:extLst>
           </p:cNvPr>
@@ -488,7 +488,7 @@
           <p:cNvPr id="6" name="灯片编号占位符 5">
             <a:extLst>
               <a:ext uri="{FF2B5EF4-FFF2-40B4-BE49-F238E27FC236}">
-                <a16:creationId xmlns:a16="http://schemas.microsoft.com/office/drawing/2014/main" id="{BCA5D248-0DED-C6D0-4124-BEED5C61166D}"/>
+                <a16:creationId xmlns:a16="http://schemas.microsoft.com/office/drawing/2014/main" id="{55E15D52-4438-1445-33FE-B76EF506D1F7}"/>
               </a:ext>
             </a:extLst>
           </p:cNvPr>
@@ -504,7 +504,7 @@
           <a:bodyPr/>
           <a:lstStyle/>
           <a:p>
-            <a:fld id="{A3F16452-0635-4763-B229-5AE4A1E36849}" type="slidenum">
+            <a:fld id="{CEE73A98-9B89-460B-BAA4-2B35534CCF28}" type="slidenum">
               <a:rPr lang="zh-CN" altLang="en-US" smtClean="0"/>
               <a:t>‹#›</a:t>
             </a:fld>
@@ -515,7 +515,7 @@
     </p:spTree>
     <p:extLst>
       <p:ext uri="{BB962C8B-B14F-4D97-AF65-F5344CB8AC3E}">
-        <p14:creationId xmlns:p14="http://schemas.microsoft.com/office/powerpoint/2010/main" val="2404432111"/>
+        <p14:creationId xmlns:p14="http://schemas.microsoft.com/office/powerpoint/2010/main" val="2502512371"/>
       </p:ext>
     </p:extLst>
   </p:cSld>
@@ -547,7 +547,7 @@
           <p:cNvPr id="2" name="竖排标题 1">
             <a:extLst>
               <a:ext uri="{FF2B5EF4-FFF2-40B4-BE49-F238E27FC236}">
-                <a16:creationId xmlns:a16="http://schemas.microsoft.com/office/drawing/2014/main" id="{F06734AD-2FFF-6B21-42DF-4B77F11D37C7}"/>
+                <a16:creationId xmlns:a16="http://schemas.microsoft.com/office/drawing/2014/main" id="{3B922DEA-15A1-38EB-1540-792800942EEA}"/>
               </a:ext>
             </a:extLst>
           </p:cNvPr>
@@ -580,7 +580,7 @@
           <p:cNvPr id="3" name="竖排文字占位符 2">
             <a:extLst>
               <a:ext uri="{FF2B5EF4-FFF2-40B4-BE49-F238E27FC236}">
-                <a16:creationId xmlns:a16="http://schemas.microsoft.com/office/drawing/2014/main" id="{B567BDCD-025C-DFF6-4723-94FE0966DEE3}"/>
+                <a16:creationId xmlns:a16="http://schemas.microsoft.com/office/drawing/2014/main" id="{3588F36F-3E46-EDB8-67C5-5B19A59B7ACD}"/>
               </a:ext>
             </a:extLst>
           </p:cNvPr>
@@ -642,7 +642,7 @@
           <p:cNvPr id="4" name="日期占位符 3">
             <a:extLst>
               <a:ext uri="{FF2B5EF4-FFF2-40B4-BE49-F238E27FC236}">
-                <a16:creationId xmlns:a16="http://schemas.microsoft.com/office/drawing/2014/main" id="{DE0EB751-E28C-0B66-1A7D-166C25AF4677}"/>
+                <a16:creationId xmlns:a16="http://schemas.microsoft.com/office/drawing/2014/main" id="{C5F1011C-FA3E-75C7-F656-127E9CDD1454}"/>
               </a:ext>
             </a:extLst>
           </p:cNvPr>
@@ -658,7 +658,7 @@
           <a:bodyPr/>
           <a:lstStyle/>
           <a:p>
-            <a:fld id="{9115C997-770B-41BF-8584-B9D483CF02A8}" type="datetimeFigureOut">
+            <a:fld id="{A4A63B33-E10A-4F92-AFC0-3887D131287B}" type="datetimeFigureOut">
               <a:rPr lang="zh-CN" altLang="en-US" smtClean="0"/>
               <a:t>2024/3/10</a:t>
             </a:fld>
@@ -671,7 +671,7 @@
           <p:cNvPr id="5" name="页脚占位符 4">
             <a:extLst>
               <a:ext uri="{FF2B5EF4-FFF2-40B4-BE49-F238E27FC236}">
-                <a16:creationId xmlns:a16="http://schemas.microsoft.com/office/drawing/2014/main" id="{24D36545-04B5-DD6F-F8C7-8966BF87DBE6}"/>
+                <a16:creationId xmlns:a16="http://schemas.microsoft.com/office/drawing/2014/main" id="{D1DC9A26-A14F-80D7-5597-684E86EBA92E}"/>
               </a:ext>
             </a:extLst>
           </p:cNvPr>
@@ -696,7 +696,7 @@
           <p:cNvPr id="6" name="灯片编号占位符 5">
             <a:extLst>
               <a:ext uri="{FF2B5EF4-FFF2-40B4-BE49-F238E27FC236}">
-                <a16:creationId xmlns:a16="http://schemas.microsoft.com/office/drawing/2014/main" id="{DAFF7560-9B2C-7C90-EFCC-F20561D17D61}"/>
+                <a16:creationId xmlns:a16="http://schemas.microsoft.com/office/drawing/2014/main" id="{2A8E8AB4-BF0A-C9D9-48AA-1DC5EC6777F4}"/>
               </a:ext>
             </a:extLst>
           </p:cNvPr>
@@ -712,7 +712,7 @@
           <a:bodyPr/>
           <a:lstStyle/>
           <a:p>
-            <a:fld id="{A3F16452-0635-4763-B229-5AE4A1E36849}" type="slidenum">
+            <a:fld id="{CEE73A98-9B89-460B-BAA4-2B35534CCF28}" type="slidenum">
               <a:rPr lang="zh-CN" altLang="en-US" smtClean="0"/>
               <a:t>‹#›</a:t>
             </a:fld>
@@ -723,7 +723,7 @@
     </p:spTree>
     <p:extLst>
       <p:ext uri="{BB962C8B-B14F-4D97-AF65-F5344CB8AC3E}">
-        <p14:creationId xmlns:p14="http://schemas.microsoft.com/office/powerpoint/2010/main" val="1601454588"/>
+        <p14:creationId xmlns:p14="http://schemas.microsoft.com/office/powerpoint/2010/main" val="3404737607"/>
       </p:ext>
     </p:extLst>
   </p:cSld>
@@ -755,7 +755,7 @@
           <p:cNvPr id="2" name="标题 1">
             <a:extLst>
               <a:ext uri="{FF2B5EF4-FFF2-40B4-BE49-F238E27FC236}">
-                <a16:creationId xmlns:a16="http://schemas.microsoft.com/office/drawing/2014/main" id="{6B6D298B-0D1C-323B-E26F-210D544A63E8}"/>
+                <a16:creationId xmlns:a16="http://schemas.microsoft.com/office/drawing/2014/main" id="{6C552BFE-833B-462C-7669-F5ADB3A40B77}"/>
               </a:ext>
             </a:extLst>
           </p:cNvPr>
@@ -783,7 +783,7 @@
           <p:cNvPr id="3" name="内容占位符 2">
             <a:extLst>
               <a:ext uri="{FF2B5EF4-FFF2-40B4-BE49-F238E27FC236}">
-                <a16:creationId xmlns:a16="http://schemas.microsoft.com/office/drawing/2014/main" id="{2A9454ED-99AD-AA8A-AB9C-C7CF648870B3}"/>
+                <a16:creationId xmlns:a16="http://schemas.microsoft.com/office/drawing/2014/main" id="{C18BE230-942B-C166-ABA9-11045752EE51}"/>
               </a:ext>
             </a:extLst>
           </p:cNvPr>
@@ -840,7 +840,7 @@
           <p:cNvPr id="4" name="日期占位符 3">
             <a:extLst>
               <a:ext uri="{FF2B5EF4-FFF2-40B4-BE49-F238E27FC236}">
-                <a16:creationId xmlns:a16="http://schemas.microsoft.com/office/drawing/2014/main" id="{317C13EE-923B-2FB2-CF43-54F8B0CF04F0}"/>
+                <a16:creationId xmlns:a16="http://schemas.microsoft.com/office/drawing/2014/main" id="{DFC98AAD-4270-7173-5EA4-95C168FF695B}"/>
               </a:ext>
             </a:extLst>
           </p:cNvPr>
@@ -856,7 +856,7 @@
           <a:bodyPr/>
           <a:lstStyle/>
           <a:p>
-            <a:fld id="{9115C997-770B-41BF-8584-B9D483CF02A8}" type="datetimeFigureOut">
+            <a:fld id="{A4A63B33-E10A-4F92-AFC0-3887D131287B}" type="datetimeFigureOut">
               <a:rPr lang="zh-CN" altLang="en-US" smtClean="0"/>
               <a:t>2024/3/10</a:t>
             </a:fld>
@@ -869,7 +869,7 @@
           <p:cNvPr id="5" name="页脚占位符 4">
             <a:extLst>
               <a:ext uri="{FF2B5EF4-FFF2-40B4-BE49-F238E27FC236}">
-                <a16:creationId xmlns:a16="http://schemas.microsoft.com/office/drawing/2014/main" id="{B216B23B-BBB4-2799-2F26-78F5F2341D07}"/>
+                <a16:creationId xmlns:a16="http://schemas.microsoft.com/office/drawing/2014/main" id="{ADA23C2D-8469-2095-456E-D34753BA3477}"/>
               </a:ext>
             </a:extLst>
           </p:cNvPr>
@@ -894,7 +894,7 @@
           <p:cNvPr id="6" name="灯片编号占位符 5">
             <a:extLst>
               <a:ext uri="{FF2B5EF4-FFF2-40B4-BE49-F238E27FC236}">
-                <a16:creationId xmlns:a16="http://schemas.microsoft.com/office/drawing/2014/main" id="{A5376999-AE72-6B4D-9475-7DD9B56AD446}"/>
+                <a16:creationId xmlns:a16="http://schemas.microsoft.com/office/drawing/2014/main" id="{E24E3ABF-4911-E4F6-D8D7-427832C8D3BA}"/>
               </a:ext>
             </a:extLst>
           </p:cNvPr>
@@ -910,7 +910,7 @@
           <a:bodyPr/>
           <a:lstStyle/>
           <a:p>
-            <a:fld id="{A3F16452-0635-4763-B229-5AE4A1E36849}" type="slidenum">
+            <a:fld id="{CEE73A98-9B89-460B-BAA4-2B35534CCF28}" type="slidenum">
               <a:rPr lang="zh-CN" altLang="en-US" smtClean="0"/>
               <a:t>‹#›</a:t>
             </a:fld>
@@ -921,7 +921,7 @@
     </p:spTree>
     <p:extLst>
       <p:ext uri="{BB962C8B-B14F-4D97-AF65-F5344CB8AC3E}">
-        <p14:creationId xmlns:p14="http://schemas.microsoft.com/office/powerpoint/2010/main" val="245770613"/>
+        <p14:creationId xmlns:p14="http://schemas.microsoft.com/office/powerpoint/2010/main" val="634130906"/>
       </p:ext>
     </p:extLst>
   </p:cSld>
@@ -953,7 +953,7 @@
           <p:cNvPr id="2" name="标题 1">
             <a:extLst>
               <a:ext uri="{FF2B5EF4-FFF2-40B4-BE49-F238E27FC236}">
-                <a16:creationId xmlns:a16="http://schemas.microsoft.com/office/drawing/2014/main" id="{E2F9F35D-C9B0-D2A2-9903-463830A8B4CC}"/>
+                <a16:creationId xmlns:a16="http://schemas.microsoft.com/office/drawing/2014/main" id="{F777ECF1-AA50-9AEC-E739-AA988B23C1EC}"/>
               </a:ext>
             </a:extLst>
           </p:cNvPr>
@@ -990,7 +990,7 @@
           <p:cNvPr id="3" name="文本占位符 2">
             <a:extLst>
               <a:ext uri="{FF2B5EF4-FFF2-40B4-BE49-F238E27FC236}">
-                <a16:creationId xmlns:a16="http://schemas.microsoft.com/office/drawing/2014/main" id="{C9C883CC-E807-F8BF-3FDC-DA9C38ACE036}"/>
+                <a16:creationId xmlns:a16="http://schemas.microsoft.com/office/drawing/2014/main" id="{A6CB6539-F5EA-D228-31D6-67B8DFCE2F79}"/>
               </a:ext>
             </a:extLst>
           </p:cNvPr>
@@ -1115,7 +1115,7 @@
           <p:cNvPr id="4" name="日期占位符 3">
             <a:extLst>
               <a:ext uri="{FF2B5EF4-FFF2-40B4-BE49-F238E27FC236}">
-                <a16:creationId xmlns:a16="http://schemas.microsoft.com/office/drawing/2014/main" id="{B28C5EFF-F3D7-575F-2FC5-812521694F6F}"/>
+                <a16:creationId xmlns:a16="http://schemas.microsoft.com/office/drawing/2014/main" id="{02278BC7-4939-17B3-4A6E-EE0B8B91C12A}"/>
               </a:ext>
             </a:extLst>
           </p:cNvPr>
@@ -1131,7 +1131,7 @@
           <a:bodyPr/>
           <a:lstStyle/>
           <a:p>
-            <a:fld id="{9115C997-770B-41BF-8584-B9D483CF02A8}" type="datetimeFigureOut">
+            <a:fld id="{A4A63B33-E10A-4F92-AFC0-3887D131287B}" type="datetimeFigureOut">
               <a:rPr lang="zh-CN" altLang="en-US" smtClean="0"/>
               <a:t>2024/3/10</a:t>
             </a:fld>
@@ -1144,7 +1144,7 @@
           <p:cNvPr id="5" name="页脚占位符 4">
             <a:extLst>
               <a:ext uri="{FF2B5EF4-FFF2-40B4-BE49-F238E27FC236}">
-                <a16:creationId xmlns:a16="http://schemas.microsoft.com/office/drawing/2014/main" id="{35177559-F09C-4EF2-DD6A-C6422EC98ABE}"/>
+                <a16:creationId xmlns:a16="http://schemas.microsoft.com/office/drawing/2014/main" id="{9BA32E05-DB95-67F9-CD4D-C629DB2C374F}"/>
               </a:ext>
             </a:extLst>
           </p:cNvPr>
@@ -1169,7 +1169,7 @@
           <p:cNvPr id="6" name="灯片编号占位符 5">
             <a:extLst>
               <a:ext uri="{FF2B5EF4-FFF2-40B4-BE49-F238E27FC236}">
-                <a16:creationId xmlns:a16="http://schemas.microsoft.com/office/drawing/2014/main" id="{6C54F32C-4758-F255-6065-72DB11549015}"/>
+                <a16:creationId xmlns:a16="http://schemas.microsoft.com/office/drawing/2014/main" id="{2410B060-650F-5E7B-1228-870F2CA52969}"/>
               </a:ext>
             </a:extLst>
           </p:cNvPr>
@@ -1185,7 +1185,7 @@
           <a:bodyPr/>
           <a:lstStyle/>
           <a:p>
-            <a:fld id="{A3F16452-0635-4763-B229-5AE4A1E36849}" type="slidenum">
+            <a:fld id="{CEE73A98-9B89-460B-BAA4-2B35534CCF28}" type="slidenum">
               <a:rPr lang="zh-CN" altLang="en-US" smtClean="0"/>
               <a:t>‹#›</a:t>
             </a:fld>
@@ -1196,7 +1196,7 @@
     </p:spTree>
     <p:extLst>
       <p:ext uri="{BB962C8B-B14F-4D97-AF65-F5344CB8AC3E}">
-        <p14:creationId xmlns:p14="http://schemas.microsoft.com/office/powerpoint/2010/main" val="1894321213"/>
+        <p14:creationId xmlns:p14="http://schemas.microsoft.com/office/powerpoint/2010/main" val="3966002059"/>
       </p:ext>
     </p:extLst>
   </p:cSld>
@@ -1228,7 +1228,7 @@
           <p:cNvPr id="2" name="标题 1">
             <a:extLst>
               <a:ext uri="{FF2B5EF4-FFF2-40B4-BE49-F238E27FC236}">
-                <a16:creationId xmlns:a16="http://schemas.microsoft.com/office/drawing/2014/main" id="{E6A5740A-6F13-0544-DCBA-844A046D124D}"/>
+                <a16:creationId xmlns:a16="http://schemas.microsoft.com/office/drawing/2014/main" id="{1830F8F8-5D27-1EC9-BF9B-7BDA2253094F}"/>
               </a:ext>
             </a:extLst>
           </p:cNvPr>
@@ -1256,7 +1256,7 @@
           <p:cNvPr id="3" name="内容占位符 2">
             <a:extLst>
               <a:ext uri="{FF2B5EF4-FFF2-40B4-BE49-F238E27FC236}">
-                <a16:creationId xmlns:a16="http://schemas.microsoft.com/office/drawing/2014/main" id="{E42E7588-D10E-B3B4-3512-B296D7C89A18}"/>
+                <a16:creationId xmlns:a16="http://schemas.microsoft.com/office/drawing/2014/main" id="{2A168A2C-C36F-3C69-B38B-2270D8364FFF}"/>
               </a:ext>
             </a:extLst>
           </p:cNvPr>
@@ -1318,7 +1318,7 @@
           <p:cNvPr id="4" name="内容占位符 3">
             <a:extLst>
               <a:ext uri="{FF2B5EF4-FFF2-40B4-BE49-F238E27FC236}">
-                <a16:creationId xmlns:a16="http://schemas.microsoft.com/office/drawing/2014/main" id="{1A3858B1-96B8-D680-E27B-C2A941D1307F}"/>
+                <a16:creationId xmlns:a16="http://schemas.microsoft.com/office/drawing/2014/main" id="{16644D2C-8D59-F96F-A2DB-148D15B5CF71}"/>
               </a:ext>
             </a:extLst>
           </p:cNvPr>
@@ -1380,7 +1380,7 @@
           <p:cNvPr id="5" name="日期占位符 4">
             <a:extLst>
               <a:ext uri="{FF2B5EF4-FFF2-40B4-BE49-F238E27FC236}">
-                <a16:creationId xmlns:a16="http://schemas.microsoft.com/office/drawing/2014/main" id="{94E544D5-F5C9-9E8A-3667-45393E823645}"/>
+                <a16:creationId xmlns:a16="http://schemas.microsoft.com/office/drawing/2014/main" id="{7ABB2134-0C35-444B-E8D0-9BEE544F4518}"/>
               </a:ext>
             </a:extLst>
           </p:cNvPr>
@@ -1396,7 +1396,7 @@
           <a:bodyPr/>
           <a:lstStyle/>
           <a:p>
-            <a:fld id="{9115C997-770B-41BF-8584-B9D483CF02A8}" type="datetimeFigureOut">
+            <a:fld id="{A4A63B33-E10A-4F92-AFC0-3887D131287B}" type="datetimeFigureOut">
               <a:rPr lang="zh-CN" altLang="en-US" smtClean="0"/>
               <a:t>2024/3/10</a:t>
             </a:fld>
@@ -1409,7 +1409,7 @@
           <p:cNvPr id="6" name="页脚占位符 5">
             <a:extLst>
               <a:ext uri="{FF2B5EF4-FFF2-40B4-BE49-F238E27FC236}">
-                <a16:creationId xmlns:a16="http://schemas.microsoft.com/office/drawing/2014/main" id="{07B8E715-8AE4-87C8-E192-3C99F745D72E}"/>
+                <a16:creationId xmlns:a16="http://schemas.microsoft.com/office/drawing/2014/main" id="{D8C9196D-9668-4EC6-02E1-A364442902EE}"/>
               </a:ext>
             </a:extLst>
           </p:cNvPr>
@@ -1434,7 +1434,7 @@
           <p:cNvPr id="7" name="灯片编号占位符 6">
             <a:extLst>
               <a:ext uri="{FF2B5EF4-FFF2-40B4-BE49-F238E27FC236}">
-                <a16:creationId xmlns:a16="http://schemas.microsoft.com/office/drawing/2014/main" id="{0E53FC5C-084E-E55D-87BC-643CDF016F0D}"/>
+                <a16:creationId xmlns:a16="http://schemas.microsoft.com/office/drawing/2014/main" id="{A75B9F8A-55C2-0786-FC25-96B637FB89EA}"/>
               </a:ext>
             </a:extLst>
           </p:cNvPr>
@@ -1450,7 +1450,7 @@
           <a:bodyPr/>
           <a:lstStyle/>
           <a:p>
-            <a:fld id="{A3F16452-0635-4763-B229-5AE4A1E36849}" type="slidenum">
+            <a:fld id="{CEE73A98-9B89-460B-BAA4-2B35534CCF28}" type="slidenum">
               <a:rPr lang="zh-CN" altLang="en-US" smtClean="0"/>
               <a:t>‹#›</a:t>
             </a:fld>
@@ -1461,7 +1461,7 @@
     </p:spTree>
     <p:extLst>
       <p:ext uri="{BB962C8B-B14F-4D97-AF65-F5344CB8AC3E}">
-        <p14:creationId xmlns:p14="http://schemas.microsoft.com/office/powerpoint/2010/main" val="967432637"/>
+        <p14:creationId xmlns:p14="http://schemas.microsoft.com/office/powerpoint/2010/main" val="2318841471"/>
       </p:ext>
     </p:extLst>
   </p:cSld>
@@ -1493,7 +1493,7 @@
           <p:cNvPr id="2" name="标题 1">
             <a:extLst>
               <a:ext uri="{FF2B5EF4-FFF2-40B4-BE49-F238E27FC236}">
-                <a16:creationId xmlns:a16="http://schemas.microsoft.com/office/drawing/2014/main" id="{FF093202-F879-B87B-F7B2-01372C6F521B}"/>
+                <a16:creationId xmlns:a16="http://schemas.microsoft.com/office/drawing/2014/main" id="{CBD15A7D-E721-A8E9-457B-9F6F998B6861}"/>
               </a:ext>
             </a:extLst>
           </p:cNvPr>
@@ -1526,7 +1526,7 @@
           <p:cNvPr id="3" name="文本占位符 2">
             <a:extLst>
               <a:ext uri="{FF2B5EF4-FFF2-40B4-BE49-F238E27FC236}">
-                <a16:creationId xmlns:a16="http://schemas.microsoft.com/office/drawing/2014/main" id="{244046B7-5419-B4A9-0B1D-A670EE7A4582}"/>
+                <a16:creationId xmlns:a16="http://schemas.microsoft.com/office/drawing/2014/main" id="{A506E948-0579-FFB4-A127-078B1D2089E8}"/>
               </a:ext>
             </a:extLst>
           </p:cNvPr>
@@ -1597,7 +1597,7 @@
           <p:cNvPr id="4" name="内容占位符 3">
             <a:extLst>
               <a:ext uri="{FF2B5EF4-FFF2-40B4-BE49-F238E27FC236}">
-                <a16:creationId xmlns:a16="http://schemas.microsoft.com/office/drawing/2014/main" id="{156D5A82-6E92-974D-AD6A-247853116116}"/>
+                <a16:creationId xmlns:a16="http://schemas.microsoft.com/office/drawing/2014/main" id="{E0DC9A23-CA94-6028-AF91-E2A008F1A18B}"/>
               </a:ext>
             </a:extLst>
           </p:cNvPr>
@@ -1659,7 +1659,7 @@
           <p:cNvPr id="5" name="文本占位符 4">
             <a:extLst>
               <a:ext uri="{FF2B5EF4-FFF2-40B4-BE49-F238E27FC236}">
-                <a16:creationId xmlns:a16="http://schemas.microsoft.com/office/drawing/2014/main" id="{B4D212AE-82DA-D297-F253-1831554405A6}"/>
+                <a16:creationId xmlns:a16="http://schemas.microsoft.com/office/drawing/2014/main" id="{F20F0FC2-8A7B-2DA9-6DC4-9B4A7009175D}"/>
               </a:ext>
             </a:extLst>
           </p:cNvPr>
@@ -1730,7 +1730,7 @@
           <p:cNvPr id="6" name="内容占位符 5">
             <a:extLst>
               <a:ext uri="{FF2B5EF4-FFF2-40B4-BE49-F238E27FC236}">
-                <a16:creationId xmlns:a16="http://schemas.microsoft.com/office/drawing/2014/main" id="{92EB99EC-194E-78CF-860B-F1F803711C0A}"/>
+                <a16:creationId xmlns:a16="http://schemas.microsoft.com/office/drawing/2014/main" id="{D184EDFF-88F8-1936-8512-EB3F7839C51D}"/>
               </a:ext>
             </a:extLst>
           </p:cNvPr>
@@ -1792,7 +1792,7 @@
           <p:cNvPr id="7" name="日期占位符 6">
             <a:extLst>
               <a:ext uri="{FF2B5EF4-FFF2-40B4-BE49-F238E27FC236}">
-                <a16:creationId xmlns:a16="http://schemas.microsoft.com/office/drawing/2014/main" id="{CFCE08EC-F8DF-29C6-A5D5-873CFD630A0E}"/>
+                <a16:creationId xmlns:a16="http://schemas.microsoft.com/office/drawing/2014/main" id="{CEAA8213-2242-B27A-8D04-C22D0B3B567F}"/>
               </a:ext>
             </a:extLst>
           </p:cNvPr>
@@ -1808,7 +1808,7 @@
           <a:bodyPr/>
           <a:lstStyle/>
           <a:p>
-            <a:fld id="{9115C997-770B-41BF-8584-B9D483CF02A8}" type="datetimeFigureOut">
+            <a:fld id="{A4A63B33-E10A-4F92-AFC0-3887D131287B}" type="datetimeFigureOut">
               <a:rPr lang="zh-CN" altLang="en-US" smtClean="0"/>
               <a:t>2024/3/10</a:t>
             </a:fld>
@@ -1821,7 +1821,7 @@
           <p:cNvPr id="8" name="页脚占位符 7">
             <a:extLst>
               <a:ext uri="{FF2B5EF4-FFF2-40B4-BE49-F238E27FC236}">
-                <a16:creationId xmlns:a16="http://schemas.microsoft.com/office/drawing/2014/main" id="{E71372CA-1F04-3E78-5F46-6BF4A1018FC1}"/>
+                <a16:creationId xmlns:a16="http://schemas.microsoft.com/office/drawing/2014/main" id="{4051CD54-394F-B941-F735-26C65E0C7766}"/>
               </a:ext>
             </a:extLst>
           </p:cNvPr>
@@ -1846,7 +1846,7 @@
           <p:cNvPr id="9" name="灯片编号占位符 8">
             <a:extLst>
               <a:ext uri="{FF2B5EF4-FFF2-40B4-BE49-F238E27FC236}">
-                <a16:creationId xmlns:a16="http://schemas.microsoft.com/office/drawing/2014/main" id="{CF21319A-DB3A-9C34-F72C-BEF3A35C8F97}"/>
+                <a16:creationId xmlns:a16="http://schemas.microsoft.com/office/drawing/2014/main" id="{BE968A91-0D2C-E7FE-C1CC-523E48C497E8}"/>
               </a:ext>
             </a:extLst>
           </p:cNvPr>
@@ -1862,7 +1862,7 @@
           <a:bodyPr/>
           <a:lstStyle/>
           <a:p>
-            <a:fld id="{A3F16452-0635-4763-B229-5AE4A1E36849}" type="slidenum">
+            <a:fld id="{CEE73A98-9B89-460B-BAA4-2B35534CCF28}" type="slidenum">
               <a:rPr lang="zh-CN" altLang="en-US" smtClean="0"/>
               <a:t>‹#›</a:t>
             </a:fld>
@@ -1873,7 +1873,7 @@
     </p:spTree>
     <p:extLst>
       <p:ext uri="{BB962C8B-B14F-4D97-AF65-F5344CB8AC3E}">
-        <p14:creationId xmlns:p14="http://schemas.microsoft.com/office/powerpoint/2010/main" val="1963331803"/>
+        <p14:creationId xmlns:p14="http://schemas.microsoft.com/office/powerpoint/2010/main" val="1498399178"/>
       </p:ext>
     </p:extLst>
   </p:cSld>
@@ -1905,7 +1905,7 @@
           <p:cNvPr id="2" name="标题 1">
             <a:extLst>
               <a:ext uri="{FF2B5EF4-FFF2-40B4-BE49-F238E27FC236}">
-                <a16:creationId xmlns:a16="http://schemas.microsoft.com/office/drawing/2014/main" id="{D6E18F0D-BB4C-6D46-A5E4-58ACE477D76A}"/>
+                <a16:creationId xmlns:a16="http://schemas.microsoft.com/office/drawing/2014/main" id="{BC090F87-92E8-FD6B-EAE7-F534E6CC9CD6}"/>
               </a:ext>
             </a:extLst>
           </p:cNvPr>
@@ -1933,7 +1933,7 @@
           <p:cNvPr id="3" name="日期占位符 2">
             <a:extLst>
               <a:ext uri="{FF2B5EF4-FFF2-40B4-BE49-F238E27FC236}">
-                <a16:creationId xmlns:a16="http://schemas.microsoft.com/office/drawing/2014/main" id="{D472866F-BECB-B0D1-2C7A-8A2BDA39A36D}"/>
+                <a16:creationId xmlns:a16="http://schemas.microsoft.com/office/drawing/2014/main" id="{DC1D23F0-8543-8DDB-EC48-B4B2873A7E98}"/>
               </a:ext>
             </a:extLst>
           </p:cNvPr>
@@ -1949,7 +1949,7 @@
           <a:bodyPr/>
           <a:lstStyle/>
           <a:p>
-            <a:fld id="{9115C997-770B-41BF-8584-B9D483CF02A8}" type="datetimeFigureOut">
+            <a:fld id="{A4A63B33-E10A-4F92-AFC0-3887D131287B}" type="datetimeFigureOut">
               <a:rPr lang="zh-CN" altLang="en-US" smtClean="0"/>
               <a:t>2024/3/10</a:t>
             </a:fld>
@@ -1962,7 +1962,7 @@
           <p:cNvPr id="4" name="页脚占位符 3">
             <a:extLst>
               <a:ext uri="{FF2B5EF4-FFF2-40B4-BE49-F238E27FC236}">
-                <a16:creationId xmlns:a16="http://schemas.microsoft.com/office/drawing/2014/main" id="{55F9FE30-701F-DAC2-419A-177269F5EBE8}"/>
+                <a16:creationId xmlns:a16="http://schemas.microsoft.com/office/drawing/2014/main" id="{1A14D849-2C4B-AD4C-0E32-D150F105176D}"/>
               </a:ext>
             </a:extLst>
           </p:cNvPr>
@@ -1987,7 +1987,7 @@
           <p:cNvPr id="5" name="灯片编号占位符 4">
             <a:extLst>
               <a:ext uri="{FF2B5EF4-FFF2-40B4-BE49-F238E27FC236}">
-                <a16:creationId xmlns:a16="http://schemas.microsoft.com/office/drawing/2014/main" id="{AADDCC39-EC8D-DBE1-371B-F7649A87C284}"/>
+                <a16:creationId xmlns:a16="http://schemas.microsoft.com/office/drawing/2014/main" id="{C4418147-38EB-FE5F-2783-29A517AB869F}"/>
               </a:ext>
             </a:extLst>
           </p:cNvPr>
@@ -2003,7 +2003,7 @@
           <a:bodyPr/>
           <a:lstStyle/>
           <a:p>
-            <a:fld id="{A3F16452-0635-4763-B229-5AE4A1E36849}" type="slidenum">
+            <a:fld id="{CEE73A98-9B89-460B-BAA4-2B35534CCF28}" type="slidenum">
               <a:rPr lang="zh-CN" altLang="en-US" smtClean="0"/>
               <a:t>‹#›</a:t>
             </a:fld>
@@ -2014,7 +2014,7 @@
     </p:spTree>
     <p:extLst>
       <p:ext uri="{BB962C8B-B14F-4D97-AF65-F5344CB8AC3E}">
-        <p14:creationId xmlns:p14="http://schemas.microsoft.com/office/powerpoint/2010/main" val="1295512522"/>
+        <p14:creationId xmlns:p14="http://schemas.microsoft.com/office/powerpoint/2010/main" val="3195066492"/>
       </p:ext>
     </p:extLst>
   </p:cSld>
@@ -2046,7 +2046,7 @@
           <p:cNvPr id="2" name="日期占位符 1">
             <a:extLst>
               <a:ext uri="{FF2B5EF4-FFF2-40B4-BE49-F238E27FC236}">
-                <a16:creationId xmlns:a16="http://schemas.microsoft.com/office/drawing/2014/main" id="{B4D684A0-81AB-C766-0FF1-C6C29DD90AAE}"/>
+                <a16:creationId xmlns:a16="http://schemas.microsoft.com/office/drawing/2014/main" id="{F0414EB5-2870-3CCB-AEB0-BF793D1D13A6}"/>
               </a:ext>
             </a:extLst>
           </p:cNvPr>
@@ -2062,7 +2062,7 @@
           <a:bodyPr/>
           <a:lstStyle/>
           <a:p>
-            <a:fld id="{9115C997-770B-41BF-8584-B9D483CF02A8}" type="datetimeFigureOut">
+            <a:fld id="{A4A63B33-E10A-4F92-AFC0-3887D131287B}" type="datetimeFigureOut">
               <a:rPr lang="zh-CN" altLang="en-US" smtClean="0"/>
               <a:t>2024/3/10</a:t>
             </a:fld>
@@ -2075,7 +2075,7 @@
           <p:cNvPr id="3" name="页脚占位符 2">
             <a:extLst>
               <a:ext uri="{FF2B5EF4-FFF2-40B4-BE49-F238E27FC236}">
-                <a16:creationId xmlns:a16="http://schemas.microsoft.com/office/drawing/2014/main" id="{37885C0F-CAFF-370E-608C-00A2BCE07D72}"/>
+                <a16:creationId xmlns:a16="http://schemas.microsoft.com/office/drawing/2014/main" id="{5145D48D-F2F7-B87E-4265-BD2ED7F1BCFB}"/>
               </a:ext>
             </a:extLst>
           </p:cNvPr>
@@ -2100,7 +2100,7 @@
           <p:cNvPr id="4" name="灯片编号占位符 3">
             <a:extLst>
               <a:ext uri="{FF2B5EF4-FFF2-40B4-BE49-F238E27FC236}">
-                <a16:creationId xmlns:a16="http://schemas.microsoft.com/office/drawing/2014/main" id="{15232F65-ED08-8E18-8406-756C0DE95635}"/>
+                <a16:creationId xmlns:a16="http://schemas.microsoft.com/office/drawing/2014/main" id="{0A7FEA0F-7A0E-80D2-EFF7-E31217DB8E2A}"/>
               </a:ext>
             </a:extLst>
           </p:cNvPr>
@@ -2116,7 +2116,7 @@
           <a:bodyPr/>
           <a:lstStyle/>
           <a:p>
-            <a:fld id="{A3F16452-0635-4763-B229-5AE4A1E36849}" type="slidenum">
+            <a:fld id="{CEE73A98-9B89-460B-BAA4-2B35534CCF28}" type="slidenum">
               <a:rPr lang="zh-CN" altLang="en-US" smtClean="0"/>
               <a:t>‹#›</a:t>
             </a:fld>
@@ -2127,7 +2127,7 @@
     </p:spTree>
     <p:extLst>
       <p:ext uri="{BB962C8B-B14F-4D97-AF65-F5344CB8AC3E}">
-        <p14:creationId xmlns:p14="http://schemas.microsoft.com/office/powerpoint/2010/main" val="1011710891"/>
+        <p14:creationId xmlns:p14="http://schemas.microsoft.com/office/powerpoint/2010/main" val="2937414822"/>
       </p:ext>
     </p:extLst>
   </p:cSld>
@@ -2159,7 +2159,7 @@
           <p:cNvPr id="2" name="标题 1">
             <a:extLst>
               <a:ext uri="{FF2B5EF4-FFF2-40B4-BE49-F238E27FC236}">
-                <a16:creationId xmlns:a16="http://schemas.microsoft.com/office/drawing/2014/main" id="{3C92D3E2-7127-8BE9-32FF-575650A7BFE3}"/>
+                <a16:creationId xmlns:a16="http://schemas.microsoft.com/office/drawing/2014/main" id="{659B04A0-0766-242D-BA27-B8B4D55DD2D6}"/>
               </a:ext>
             </a:extLst>
           </p:cNvPr>
@@ -2196,7 +2196,7 @@
           <p:cNvPr id="3" name="内容占位符 2">
             <a:extLst>
               <a:ext uri="{FF2B5EF4-FFF2-40B4-BE49-F238E27FC236}">
-                <a16:creationId xmlns:a16="http://schemas.microsoft.com/office/drawing/2014/main" id="{7EA467D6-B856-CCAC-2C27-2DC924C36049}"/>
+                <a16:creationId xmlns:a16="http://schemas.microsoft.com/office/drawing/2014/main" id="{CD0DC0C1-E2BC-8E4C-6095-08D49F673A85}"/>
               </a:ext>
             </a:extLst>
           </p:cNvPr>
@@ -2286,7 +2286,7 @@
           <p:cNvPr id="4" name="文本占位符 3">
             <a:extLst>
               <a:ext uri="{FF2B5EF4-FFF2-40B4-BE49-F238E27FC236}">
-                <a16:creationId xmlns:a16="http://schemas.microsoft.com/office/drawing/2014/main" id="{1E064B9E-23B1-91B9-5000-BD84E11E9328}"/>
+                <a16:creationId xmlns:a16="http://schemas.microsoft.com/office/drawing/2014/main" id="{5922C895-BA82-BEC6-B59E-206BDCAF6A98}"/>
               </a:ext>
             </a:extLst>
           </p:cNvPr>
@@ -2357,7 +2357,7 @@
           <p:cNvPr id="5" name="日期占位符 4">
             <a:extLst>
               <a:ext uri="{FF2B5EF4-FFF2-40B4-BE49-F238E27FC236}">
-                <a16:creationId xmlns:a16="http://schemas.microsoft.com/office/drawing/2014/main" id="{3DFDCAF9-8ABC-201C-F28D-5E771DEB048C}"/>
+                <a16:creationId xmlns:a16="http://schemas.microsoft.com/office/drawing/2014/main" id="{E2346B18-5666-D14E-7744-90C0B267B38C}"/>
               </a:ext>
             </a:extLst>
           </p:cNvPr>
@@ -2373,7 +2373,7 @@
           <a:bodyPr/>
           <a:lstStyle/>
           <a:p>
-            <a:fld id="{9115C997-770B-41BF-8584-B9D483CF02A8}" type="datetimeFigureOut">
+            <a:fld id="{A4A63B33-E10A-4F92-AFC0-3887D131287B}" type="datetimeFigureOut">
               <a:rPr lang="zh-CN" altLang="en-US" smtClean="0"/>
               <a:t>2024/3/10</a:t>
             </a:fld>
@@ -2386,7 +2386,7 @@
           <p:cNvPr id="6" name="页脚占位符 5">
             <a:extLst>
               <a:ext uri="{FF2B5EF4-FFF2-40B4-BE49-F238E27FC236}">
-                <a16:creationId xmlns:a16="http://schemas.microsoft.com/office/drawing/2014/main" id="{CF12BB74-1AA3-7FE4-83E4-986BB3916ED2}"/>
+                <a16:creationId xmlns:a16="http://schemas.microsoft.com/office/drawing/2014/main" id="{4D9F6572-A91B-35C7-346A-2FFC92516E49}"/>
               </a:ext>
             </a:extLst>
           </p:cNvPr>
@@ -2411,7 +2411,7 @@
           <p:cNvPr id="7" name="灯片编号占位符 6">
             <a:extLst>
               <a:ext uri="{FF2B5EF4-FFF2-40B4-BE49-F238E27FC236}">
-                <a16:creationId xmlns:a16="http://schemas.microsoft.com/office/drawing/2014/main" id="{06086B12-40F7-9EF7-FE5C-283A7C9E0E98}"/>
+                <a16:creationId xmlns:a16="http://schemas.microsoft.com/office/drawing/2014/main" id="{9A97AA61-67F6-5B04-FD62-1E684E2EDAE9}"/>
               </a:ext>
             </a:extLst>
           </p:cNvPr>
@@ -2427,7 +2427,7 @@
           <a:bodyPr/>
           <a:lstStyle/>
           <a:p>
-            <a:fld id="{A3F16452-0635-4763-B229-5AE4A1E36849}" type="slidenum">
+            <a:fld id="{CEE73A98-9B89-460B-BAA4-2B35534CCF28}" type="slidenum">
               <a:rPr lang="zh-CN" altLang="en-US" smtClean="0"/>
               <a:t>‹#›</a:t>
             </a:fld>
@@ -2438,7 +2438,7 @@
     </p:spTree>
     <p:extLst>
       <p:ext uri="{BB962C8B-B14F-4D97-AF65-F5344CB8AC3E}">
-        <p14:creationId xmlns:p14="http://schemas.microsoft.com/office/powerpoint/2010/main" val="2610538704"/>
+        <p14:creationId xmlns:p14="http://schemas.microsoft.com/office/powerpoint/2010/main" val="4071815799"/>
       </p:ext>
     </p:extLst>
   </p:cSld>
@@ -2470,7 +2470,7 @@
           <p:cNvPr id="2" name="标题 1">
             <a:extLst>
               <a:ext uri="{FF2B5EF4-FFF2-40B4-BE49-F238E27FC236}">
-                <a16:creationId xmlns:a16="http://schemas.microsoft.com/office/drawing/2014/main" id="{A62F1F95-582F-18F6-4341-3F82CA2F8B1C}"/>
+                <a16:creationId xmlns:a16="http://schemas.microsoft.com/office/drawing/2014/main" id="{17E62694-EB93-71E6-CB5C-BD46D992BED1}"/>
               </a:ext>
             </a:extLst>
           </p:cNvPr>
@@ -2507,7 +2507,7 @@
           <p:cNvPr id="3" name="图片占位符 2">
             <a:extLst>
               <a:ext uri="{FF2B5EF4-FFF2-40B4-BE49-F238E27FC236}">
-                <a16:creationId xmlns:a16="http://schemas.microsoft.com/office/drawing/2014/main" id="{DFAA9893-952C-5C61-5FDD-955C2B0B1F3B}"/>
+                <a16:creationId xmlns:a16="http://schemas.microsoft.com/office/drawing/2014/main" id="{643D09E5-5D91-3285-C65B-690739B02202}"/>
               </a:ext>
             </a:extLst>
           </p:cNvPr>
@@ -2574,7 +2574,7 @@
           <p:cNvPr id="4" name="文本占位符 3">
             <a:extLst>
               <a:ext uri="{FF2B5EF4-FFF2-40B4-BE49-F238E27FC236}">
-                <a16:creationId xmlns:a16="http://schemas.microsoft.com/office/drawing/2014/main" id="{D285F822-72A2-0579-F247-FFC74E1A94A2}"/>
+                <a16:creationId xmlns:a16="http://schemas.microsoft.com/office/drawing/2014/main" id="{2023AD14-73D8-814F-AAF5-5919B23B91EF}"/>
               </a:ext>
             </a:extLst>
           </p:cNvPr>
@@ -2645,7 +2645,7 @@
           <p:cNvPr id="5" name="日期占位符 4">
             <a:extLst>
               <a:ext uri="{FF2B5EF4-FFF2-40B4-BE49-F238E27FC236}">
-                <a16:creationId xmlns:a16="http://schemas.microsoft.com/office/drawing/2014/main" id="{599184C4-AD2A-FBEC-5F37-18C6003875CA}"/>
+                <a16:creationId xmlns:a16="http://schemas.microsoft.com/office/drawing/2014/main" id="{2AD10060-FA41-6EA7-C03D-4CAE95513DB6}"/>
               </a:ext>
             </a:extLst>
           </p:cNvPr>
@@ -2661,7 +2661,7 @@
           <a:bodyPr/>
           <a:lstStyle/>
           <a:p>
-            <a:fld id="{9115C997-770B-41BF-8584-B9D483CF02A8}" type="datetimeFigureOut">
+            <a:fld id="{A4A63B33-E10A-4F92-AFC0-3887D131287B}" type="datetimeFigureOut">
               <a:rPr lang="zh-CN" altLang="en-US" smtClean="0"/>
               <a:t>2024/3/10</a:t>
             </a:fld>
@@ -2674,7 +2674,7 @@
           <p:cNvPr id="6" name="页脚占位符 5">
             <a:extLst>
               <a:ext uri="{FF2B5EF4-FFF2-40B4-BE49-F238E27FC236}">
-                <a16:creationId xmlns:a16="http://schemas.microsoft.com/office/drawing/2014/main" id="{EEAAC3E3-B56E-4967-83F8-20B895412967}"/>
+                <a16:creationId xmlns:a16="http://schemas.microsoft.com/office/drawing/2014/main" id="{38626FFF-FA72-106F-C381-6CFE157D344F}"/>
               </a:ext>
             </a:extLst>
           </p:cNvPr>
@@ -2699,7 +2699,7 @@
           <p:cNvPr id="7" name="灯片编号占位符 6">
             <a:extLst>
               <a:ext uri="{FF2B5EF4-FFF2-40B4-BE49-F238E27FC236}">
-                <a16:creationId xmlns:a16="http://schemas.microsoft.com/office/drawing/2014/main" id="{11733E41-20BC-5DC6-9705-E1646CC62013}"/>
+                <a16:creationId xmlns:a16="http://schemas.microsoft.com/office/drawing/2014/main" id="{C1728E7C-DFBE-BF7A-282D-1053F1BA4022}"/>
               </a:ext>
             </a:extLst>
           </p:cNvPr>
@@ -2715,7 +2715,7 @@
           <a:bodyPr/>
           <a:lstStyle/>
           <a:p>
-            <a:fld id="{A3F16452-0635-4763-B229-5AE4A1E36849}" type="slidenum">
+            <a:fld id="{CEE73A98-9B89-460B-BAA4-2B35534CCF28}" type="slidenum">
               <a:rPr lang="zh-CN" altLang="en-US" smtClean="0"/>
               <a:t>‹#›</a:t>
             </a:fld>
@@ -2726,7 +2726,7 @@
     </p:spTree>
     <p:extLst>
       <p:ext uri="{BB962C8B-B14F-4D97-AF65-F5344CB8AC3E}">
-        <p14:creationId xmlns:p14="http://schemas.microsoft.com/office/powerpoint/2010/main" val="3048248162"/>
+        <p14:creationId xmlns:p14="http://schemas.microsoft.com/office/powerpoint/2010/main" val="3520344895"/>
       </p:ext>
     </p:extLst>
   </p:cSld>
@@ -2763,7 +2763,7 @@
           <p:cNvPr id="2" name="标题占位符 1">
             <a:extLst>
               <a:ext uri="{FF2B5EF4-FFF2-40B4-BE49-F238E27FC236}">
-                <a16:creationId xmlns:a16="http://schemas.microsoft.com/office/drawing/2014/main" id="{F072AAB2-B924-6CE4-5547-CC05D09AFE7B}"/>
+                <a16:creationId xmlns:a16="http://schemas.microsoft.com/office/drawing/2014/main" id="{C602EFDE-2E41-FB18-D460-941D5262EB6D}"/>
               </a:ext>
             </a:extLst>
           </p:cNvPr>
@@ -2801,7 +2801,7 @@
           <p:cNvPr id="3" name="文本占位符 2">
             <a:extLst>
               <a:ext uri="{FF2B5EF4-FFF2-40B4-BE49-F238E27FC236}">
-                <a16:creationId xmlns:a16="http://schemas.microsoft.com/office/drawing/2014/main" id="{70050828-6300-6B8A-59EB-88914234E274}"/>
+                <a16:creationId xmlns:a16="http://schemas.microsoft.com/office/drawing/2014/main" id="{BDD20DC4-287D-C167-E1C3-D3214DE83D83}"/>
               </a:ext>
             </a:extLst>
           </p:cNvPr>
@@ -2868,7 +2868,7 @@
           <p:cNvPr id="4" name="日期占位符 3">
             <a:extLst>
               <a:ext uri="{FF2B5EF4-FFF2-40B4-BE49-F238E27FC236}">
-                <a16:creationId xmlns:a16="http://schemas.microsoft.com/office/drawing/2014/main" id="{26BB28D2-3651-906E-5BC1-5B556D3ED2F6}"/>
+                <a16:creationId xmlns:a16="http://schemas.microsoft.com/office/drawing/2014/main" id="{40FC6BC9-A100-6019-576A-FA34120663F1}"/>
               </a:ext>
             </a:extLst>
           </p:cNvPr>
@@ -2902,7 +2902,7 @@
             </a:lvl1pPr>
           </a:lstStyle>
           <a:p>
-            <a:fld id="{9115C997-770B-41BF-8584-B9D483CF02A8}" type="datetimeFigureOut">
+            <a:fld id="{A4A63B33-E10A-4F92-AFC0-3887D131287B}" type="datetimeFigureOut">
               <a:rPr lang="zh-CN" altLang="en-US" smtClean="0"/>
               <a:t>2024/3/10</a:t>
             </a:fld>
@@ -2915,7 +2915,7 @@
           <p:cNvPr id="5" name="页脚占位符 4">
             <a:extLst>
               <a:ext uri="{FF2B5EF4-FFF2-40B4-BE49-F238E27FC236}">
-                <a16:creationId xmlns:a16="http://schemas.microsoft.com/office/drawing/2014/main" id="{07E8CDE2-0A08-BBB3-95E0-C209AF2E7946}"/>
+                <a16:creationId xmlns:a16="http://schemas.microsoft.com/office/drawing/2014/main" id="{A21D8AF4-2E82-B47B-713A-49DB58128B81}"/>
               </a:ext>
             </a:extLst>
           </p:cNvPr>
@@ -2958,7 +2958,7 @@
           <p:cNvPr id="6" name="灯片编号占位符 5">
             <a:extLst>
               <a:ext uri="{FF2B5EF4-FFF2-40B4-BE49-F238E27FC236}">
-                <a16:creationId xmlns:a16="http://schemas.microsoft.com/office/drawing/2014/main" id="{A27B034C-3EBD-A8A2-6F5E-66EEF36CD5D9}"/>
+                <a16:creationId xmlns:a16="http://schemas.microsoft.com/office/drawing/2014/main" id="{8601B0F5-2B05-F562-5609-269C4F2DE100}"/>
               </a:ext>
             </a:extLst>
           </p:cNvPr>
@@ -2992,7 +2992,7 @@
             </a:lvl1pPr>
           </a:lstStyle>
           <a:p>
-            <a:fld id="{A3F16452-0635-4763-B229-5AE4A1E36849}" type="slidenum">
+            <a:fld id="{CEE73A98-9B89-460B-BAA4-2B35534CCF28}" type="slidenum">
               <a:rPr lang="zh-CN" altLang="en-US" smtClean="0"/>
               <a:t>‹#›</a:t>
             </a:fld>
@@ -3003,7 +3003,7 @@
     </p:spTree>
     <p:extLst>
       <p:ext uri="{BB962C8B-B14F-4D97-AF65-F5344CB8AC3E}">
-        <p14:creationId xmlns:p14="http://schemas.microsoft.com/office/powerpoint/2010/main" val="564055264"/>
+        <p14:creationId xmlns:p14="http://schemas.microsoft.com/office/powerpoint/2010/main" val="2911024966"/>
       </p:ext>
     </p:extLst>
   </p:cSld>
@@ -3323,7 +3323,7 @@
       </p:grpSpPr>
       <p:pic>
         <p:nvPicPr>
-          <p:cNvPr id="763906" name="Picture 2" descr="745"/>
+          <p:cNvPr id="764930" name="Picture 2" descr="746"/>
           <p:cNvPicPr>
             <a:picLocks noChangeAspect="1" noChangeArrowheads="1"/>
           </p:cNvPicPr>
